--- a/Class Presentations/2th-presentation/logic model.pptx
+++ b/Class Presentations/2th-presentation/logic model.pptx
@@ -107,6 +107,11 @@
       </a:defRPr>
     </a:lvl9pPr>
   </p:defaultTextStyle>
+  <p:extLst>
+    <p:ext uri="{EFAFB233-063F-42B5-8137-9DF3F51BA10A}">
+      <p15:sldGuideLst xmlns:p15="http://schemas.microsoft.com/office/powerpoint/2012/main"/>
+    </p:ext>
+  </p:extLst>
 </p:presentation>
 </file>
 
@@ -3278,19 +3283,7 @@
             </a:pPr>
             <a:r>
               <a:rPr lang="en-US" sz="1600" dirty="0"/>
-              <a:t>P</a:t>
-            </a:r>
-            <a:r>
-              <a:rPr lang="en-US" sz="1600" dirty="0"/>
-              <a:t>rovide </a:t>
-            </a:r>
-            <a:r>
-              <a:rPr lang="en-US" sz="1600" dirty="0"/>
-              <a:t>an open-sourced Industrial Analysis </a:t>
-            </a:r>
-            <a:r>
-              <a:rPr lang="en-US" sz="1600" dirty="0"/>
-              <a:t>Report:</a:t>
+              <a:t>Provide an open-sourced Industrial Analysis Report:</a:t>
             </a:r>
           </a:p>
           <a:p>
@@ -3446,11 +3439,6 @@
               </a:rPr>
               <a:t>Social acceptance</a:t>
             </a:r>
-            <a:endParaRPr lang="en-US" sz="1600" dirty="0">
-              <a:solidFill>
-                <a:srgbClr val="00B050"/>
-              </a:solidFill>
-            </a:endParaRPr>
           </a:p>
           <a:p>
             <a:pPr marL="285750" indent="-285750">
@@ -3629,19 +3617,6 @@
               </a:rPr>
               <a:t>Input</a:t>
             </a:r>
-            <a:endParaRPr lang="en-US" sz="4000" b="1" spc="150" dirty="0">
-              <a:ln w="11430"/>
-              <a:solidFill>
-                <a:srgbClr val="7F7F7F"/>
-              </a:solidFill>
-              <a:effectLst>
-                <a:outerShdw blurRad="25400" algn="tl" rotWithShape="0">
-                  <a:srgbClr val="000000">
-                    <a:alpha val="43000"/>
-                  </a:srgbClr>
-                </a:outerShdw>
-              </a:effectLst>
-            </a:endParaRPr>
           </a:p>
         </p:txBody>
       </p:sp>
@@ -3696,19 +3671,6 @@
               </a:rPr>
               <a:t>Output</a:t>
             </a:r>
-            <a:endParaRPr lang="en-US" sz="3600" b="1" spc="150" dirty="0">
-              <a:ln w="11430"/>
-              <a:solidFill>
-                <a:srgbClr val="7F7F7F"/>
-              </a:solidFill>
-              <a:effectLst>
-                <a:outerShdw blurRad="25400" algn="tl" rotWithShape="0">
-                  <a:srgbClr val="000000">
-                    <a:alpha val="43000"/>
-                  </a:srgbClr>
-                </a:outerShdw>
-              </a:effectLst>
-            </a:endParaRPr>
           </a:p>
         </p:txBody>
       </p:sp>
@@ -3763,19 +3725,6 @@
               </a:rPr>
               <a:t>Participants</a:t>
             </a:r>
-            <a:endParaRPr lang="en-US" sz="2400" b="1" spc="150" dirty="0">
-              <a:ln w="11430"/>
-              <a:solidFill>
-                <a:srgbClr val="7F7F7F"/>
-              </a:solidFill>
-              <a:effectLst>
-                <a:outerShdw blurRad="25400" algn="tl" rotWithShape="0">
-                  <a:srgbClr val="000000">
-                    <a:alpha val="43000"/>
-                  </a:srgbClr>
-                </a:outerShdw>
-              </a:effectLst>
-            </a:endParaRPr>
           </a:p>
         </p:txBody>
       </p:sp>
@@ -3901,11 +3850,7 @@
             </a:pPr>
             <a:r>
               <a:rPr lang="en-US" sz="1600" dirty="0"/>
-              <a:t>Companies in the field of electric chargers, oil suppliers, electricity,  </a:t>
-            </a:r>
-            <a:r>
-              <a:rPr lang="en-US" sz="1600" dirty="0"/>
-              <a:t>individuals</a:t>
+              <a:t>Companies in the field of electric chargers, oil suppliers, electricity,  individuals</a:t>
             </a:r>
           </a:p>
           <a:p>
@@ -4311,19 +4256,6 @@
               </a:rPr>
               <a:t>Short-term</a:t>
             </a:r>
-            <a:endParaRPr lang="en-US" sz="2800" b="1" spc="150" dirty="0">
-              <a:ln w="11430"/>
-              <a:solidFill>
-                <a:srgbClr val="7F7F7F"/>
-              </a:solidFill>
-              <a:effectLst>
-                <a:outerShdw blurRad="25400" algn="tl" rotWithShape="0">
-                  <a:srgbClr val="000000">
-                    <a:alpha val="43000"/>
-                  </a:srgbClr>
-                </a:outerShdw>
-              </a:effectLst>
-            </a:endParaRPr>
           </a:p>
         </p:txBody>
       </p:sp>
@@ -4378,19 +4310,6 @@
               </a:rPr>
               <a:t>Long-term</a:t>
             </a:r>
-            <a:endParaRPr lang="en-US" sz="2800" b="1" spc="150" dirty="0">
-              <a:ln w="11430"/>
-              <a:solidFill>
-                <a:srgbClr val="7F7F7F"/>
-              </a:solidFill>
-              <a:effectLst>
-                <a:outerShdw blurRad="25400" algn="tl" rotWithShape="0">
-                  <a:srgbClr val="000000">
-                    <a:alpha val="43000"/>
-                  </a:srgbClr>
-                </a:outerShdw>
-              </a:effectLst>
-            </a:endParaRPr>
           </a:p>
         </p:txBody>
       </p:sp>
@@ -4464,19 +4383,6 @@
               </a:rPr>
               <a:t>term</a:t>
             </a:r>
-            <a:endParaRPr lang="en-US" sz="2800" b="1" spc="150" dirty="0">
-              <a:ln w="11430"/>
-              <a:solidFill>
-                <a:srgbClr val="7F7F7F"/>
-              </a:solidFill>
-              <a:effectLst>
-                <a:outerShdw blurRad="25400" algn="tl" rotWithShape="0">
-                  <a:srgbClr val="000000">
-                    <a:alpha val="43000"/>
-                  </a:srgbClr>
-                </a:outerShdw>
-              </a:effectLst>
-            </a:endParaRPr>
           </a:p>
         </p:txBody>
       </p:sp>
@@ -4507,15 +4413,7 @@
             </a:pPr>
             <a:r>
               <a:rPr lang="en-US" sz="1600" dirty="0"/>
-              <a:t>Get to know each other better </a:t>
-            </a:r>
-            <a:r>
-              <a:rPr lang="en-US" sz="1600" dirty="0"/>
-              <a:t>as a </a:t>
-            </a:r>
-            <a:r>
-              <a:rPr lang="en-US" sz="1600" dirty="0"/>
-              <a:t>team</a:t>
+              <a:t>Get to know each other better as a team</a:t>
             </a:r>
           </a:p>
           <a:p>
@@ -4528,15 +4426,7 @@
             </a:pPr>
             <a:r>
               <a:rPr lang="en-US" sz="1600" dirty="0"/>
-              <a:t>Improved knowledge about the management of a project and </a:t>
-            </a:r>
-            <a:r>
-              <a:rPr lang="en-US" sz="1600" dirty="0"/>
-              <a:t>useful </a:t>
-            </a:r>
-            <a:r>
-              <a:rPr lang="en-US" sz="1600" dirty="0"/>
-              <a:t>tools</a:t>
+              <a:t>Improved knowledge about the management of a project and useful tools</a:t>
             </a:r>
           </a:p>
           <a:p>
@@ -4549,15 +4439,7 @@
             </a:pPr>
             <a:r>
               <a:rPr lang="en-US" sz="1600" dirty="0"/>
-              <a:t>A good </a:t>
-            </a:r>
-            <a:r>
-              <a:rPr lang="en-US" sz="1600" dirty="0"/>
-              <a:t>grade  </a:t>
-            </a:r>
-            <a:r>
-              <a:rPr lang="en-US" sz="1600" dirty="0"/>
-              <a:t>for the course</a:t>
+              <a:t>A good grade  for the course</a:t>
             </a:r>
           </a:p>
           <a:p>
@@ -4570,13 +4452,8 @@
             </a:pPr>
             <a:r>
               <a:rPr lang="en-US" sz="1600" dirty="0"/>
-              <a:t>Get inspired by this market for our </a:t>
-            </a:r>
-            <a:r>
-              <a:rPr lang="en-US" sz="1600" dirty="0"/>
-              <a:t>future career</a:t>
-            </a:r>
-            <a:endParaRPr lang="en-US" sz="1600" dirty="0"/>
+              <a:t>Get inspired by this market for our future career</a:t>
+            </a:r>
           </a:p>
         </p:txBody>
       </p:sp>
@@ -4607,19 +4484,7 @@
             </a:pPr>
             <a:r>
               <a:rPr lang="en-US" sz="1600" dirty="0"/>
-              <a:t>Companies develop better strategies and decisions </a:t>
-            </a:r>
-            <a:r>
-              <a:rPr lang="en-US" sz="1600" dirty="0"/>
-              <a:t>concerning </a:t>
-            </a:r>
-            <a:r>
-              <a:rPr lang="en-US" sz="1600" dirty="0"/>
-              <a:t>this </a:t>
-            </a:r>
-            <a:r>
-              <a:rPr lang="en-US" sz="1600" dirty="0"/>
-              <a:t>market</a:t>
+              <a:t>Companies develop better strategies and decisions concerning this market</a:t>
             </a:r>
           </a:p>
           <a:p>
@@ -4632,15 +4497,7 @@
             </a:pPr>
             <a:r>
               <a:rPr lang="en-US" sz="1600" dirty="0"/>
-              <a:t>Help new innovative companies enter </a:t>
-            </a:r>
-            <a:r>
-              <a:rPr lang="en-US" sz="1600" dirty="0"/>
-              <a:t>this </a:t>
-            </a:r>
-            <a:r>
-              <a:rPr lang="en-US" sz="1600" dirty="0"/>
-              <a:t>market</a:t>
+              <a:t>Help new innovative companies enter this market</a:t>
             </a:r>
           </a:p>
           <a:p>
@@ -4686,11 +4543,7 @@
             </a:pPr>
             <a:r>
               <a:rPr lang="en-US" sz="1600" dirty="0"/>
-              <a:t>Increased </a:t>
-            </a:r>
-            <a:r>
-              <a:rPr lang="en-US" sz="1600" dirty="0"/>
-              <a:t>feasibility, reliability of electric cars</a:t>
+              <a:t>Increased feasibility, reliability of electric cars</a:t>
             </a:r>
           </a:p>
           <a:p>
@@ -5023,19 +4876,6 @@
               </a:rPr>
               <a:t>Assumptions</a:t>
             </a:r>
-            <a:endParaRPr lang="en-US" sz="2800" b="1" spc="150" dirty="0">
-              <a:ln w="11430"/>
-              <a:solidFill>
-                <a:srgbClr val="7F7F7F"/>
-              </a:solidFill>
-              <a:effectLst>
-                <a:outerShdw blurRad="25400" algn="tl" rotWithShape="0">
-                  <a:srgbClr val="000000">
-                    <a:alpha val="43000"/>
-                  </a:srgbClr>
-                </a:outerShdw>
-              </a:effectLst>
-            </a:endParaRPr>
           </a:p>
         </p:txBody>
       </p:sp>
@@ -5090,19 +4930,6 @@
               </a:rPr>
               <a:t>External Factors</a:t>
             </a:r>
-            <a:endParaRPr lang="en-US" sz="2800" b="1" spc="150" dirty="0">
-              <a:ln w="11430"/>
-              <a:solidFill>
-                <a:srgbClr val="7F7F7F"/>
-              </a:solidFill>
-              <a:effectLst>
-                <a:outerShdw blurRad="25400" algn="tl" rotWithShape="0">
-                  <a:srgbClr val="000000">
-                    <a:alpha val="43000"/>
-                  </a:srgbClr>
-                </a:outerShdw>
-              </a:effectLst>
-            </a:endParaRPr>
           </a:p>
         </p:txBody>
       </p:sp>
@@ -5133,11 +4960,7 @@
             </a:pPr>
             <a:r>
               <a:rPr lang="en-US" sz="1600" dirty="0"/>
-              <a:t>We </a:t>
-            </a:r>
-            <a:r>
-              <a:rPr lang="en-US" sz="1600" dirty="0"/>
-              <a:t>can work correctly together </a:t>
+              <a:t>We can work correctly together </a:t>
             </a:r>
           </a:p>
           <a:p>
@@ -5213,23 +5036,7 @@
                   <a:srgbClr val="000000"/>
                 </a:solidFill>
               </a:rPr>
-              <a:t>The </a:t>
-            </a:r>
-            <a:r>
-              <a:rPr lang="en-US" sz="1600" dirty="0">
-                <a:solidFill>
-                  <a:srgbClr val="000000"/>
-                </a:solidFill>
-              </a:rPr>
-              <a:t>developments of technology in the vehicle market and their relevance, f.e.</a:t>
-            </a:r>
-            <a:r>
-              <a:rPr lang="en-US" sz="1600" dirty="0">
-                <a:solidFill>
-                  <a:srgbClr val="000000"/>
-                </a:solidFill>
-              </a:rPr>
-              <a:t>:</a:t>
+              <a:t>The developments of technology in the vehicle market and their relevance, f.e.:</a:t>
             </a:r>
           </a:p>
           <a:p>
@@ -5381,7 +5188,7 @@
         </p:nvSpPr>
         <p:spPr>
           <a:xfrm>
-            <a:off x="838200" y="0"/>
+            <a:off x="838200" y="180304"/>
             <a:ext cx="10515600" cy="725738"/>
           </a:xfrm>
         </p:spPr>
@@ -5415,14 +5222,14 @@
             <p:ph idx="1"/>
             <p:extLst>
               <p:ext uri="{D42A27DB-BD31-4B8C-83A1-F6EECF244321}">
-                <p14:modId xmlns:p14="http://schemas.microsoft.com/office/powerpoint/2010/main" val="3036865395"/>
+                <p14:modId xmlns:p14="http://schemas.microsoft.com/office/powerpoint/2010/main" val="3499649996"/>
               </p:ext>
             </p:extLst>
           </p:nvPr>
         </p:nvGraphicFramePr>
         <p:xfrm>
-          <a:off x="625641" y="817880"/>
-          <a:ext cx="11566359" cy="6863080"/>
+          <a:off x="97607" y="983316"/>
+          <a:ext cx="11944139" cy="5674360"/>
         </p:xfrm>
         <a:graphic>
           <a:graphicData uri="http://schemas.openxmlformats.org/drawingml/2006/table">
@@ -5431,9 +5238,9 @@
                 <a:tableStyleId>{5C22544A-7EE6-4342-B048-85BDC9FD1C3A}</a:tableStyleId>
               </a:tblPr>
               <a:tblGrid>
-                <a:gridCol w="3048001"/>
-                <a:gridCol w="5598695"/>
-                <a:gridCol w="2919663"/>
+                <a:gridCol w="3503375"/>
+                <a:gridCol w="5585800"/>
+                <a:gridCol w="2854964"/>
               </a:tblGrid>
               <a:tr h="370840">
                 <a:tc>
@@ -5469,6 +5276,10 @@
                     <a:bodyPr/>
                     <a:lstStyle/>
                     <a:p>
+                      <a:r>
+                        <a:rPr lang="fr-FR" dirty="0" smtClean="0"/>
+                        <a:t>Source of data</a:t>
+                      </a:r>
                       <a:endParaRPr lang="fr-FR" dirty="0"/>
                     </a:p>
                   </a:txBody>
@@ -6515,99 +6326,6 @@
                         <a:rPr lang="fr-FR" dirty="0" smtClean="0"/>
                         <a:t>_</a:t>
                       </a:r>
-                      <a:endParaRPr lang="fr-FR" dirty="0"/>
-                    </a:p>
-                  </a:txBody>
-                  <a:tcPr/>
-                </a:tc>
-              </a:tr>
-              <a:tr h="370840">
-                <a:tc>
-                  <a:txBody>
-                    <a:bodyPr/>
-                    <a:lstStyle/>
-                    <a:p>
-                      <a:r>
-                        <a:rPr lang="fr-FR" baseline="0" dirty="0" err="1" smtClean="0"/>
-                        <a:t>What</a:t>
-                      </a:r>
-                      <a:r>
-                        <a:rPr lang="fr-FR" baseline="0" dirty="0" smtClean="0"/>
-                        <a:t> are the best </a:t>
-                      </a:r>
-                      <a:r>
-                        <a:rPr lang="fr-FR" baseline="0" dirty="0" err="1" smtClean="0"/>
-                        <a:t>market</a:t>
-                      </a:r>
-                      <a:r>
-                        <a:rPr lang="fr-FR" baseline="0" dirty="0" smtClean="0"/>
-                        <a:t> to go ?</a:t>
-                      </a:r>
-                    </a:p>
-                  </a:txBody>
-                  <a:tcPr/>
-                </a:tc>
-                <a:tc>
-                  <a:txBody>
-                    <a:bodyPr/>
-                    <a:lstStyle/>
-                    <a:p>
-                      <a:r>
-                        <a:rPr lang="fr-FR" dirty="0" smtClean="0"/>
-                        <a:t>How </a:t>
-                      </a:r>
-                      <a:r>
-                        <a:rPr lang="fr-FR" dirty="0" err="1" smtClean="0"/>
-                        <a:t>many</a:t>
-                      </a:r>
-                      <a:r>
-                        <a:rPr lang="fr-FR" dirty="0" smtClean="0"/>
-                        <a:t> EV </a:t>
-                      </a:r>
-                      <a:r>
-                        <a:rPr lang="fr-FR" dirty="0" err="1" smtClean="0"/>
-                        <a:t>sold</a:t>
-                      </a:r>
-                      <a:r>
-                        <a:rPr lang="fr-FR" dirty="0" smtClean="0"/>
-                        <a:t> in </a:t>
-                      </a:r>
-                      <a:r>
-                        <a:rPr lang="fr-FR" dirty="0" err="1" smtClean="0"/>
-                        <a:t>each</a:t>
-                      </a:r>
-                      <a:r>
-                        <a:rPr lang="fr-FR" dirty="0" smtClean="0"/>
-                        <a:t> country (and prospects) ?</a:t>
-                      </a:r>
-                    </a:p>
-                    <a:p>
-                      <a:r>
-                        <a:rPr lang="fr-FR" dirty="0" err="1" smtClean="0"/>
-                        <a:t>What</a:t>
-                      </a:r>
-                      <a:r>
-                        <a:rPr lang="fr-FR" dirty="0" smtClean="0"/>
-                        <a:t> subsidies in </a:t>
-                      </a:r>
-                      <a:r>
-                        <a:rPr lang="fr-FR" dirty="0" err="1" smtClean="0"/>
-                        <a:t>each</a:t>
-                      </a:r>
-                      <a:r>
-                        <a:rPr lang="fr-FR" dirty="0" smtClean="0"/>
-                        <a:t> country ?</a:t>
-                      </a:r>
-                      <a:endParaRPr lang="fr-FR" dirty="0"/>
-                    </a:p>
-                  </a:txBody>
-                  <a:tcPr/>
-                </a:tc>
-                <a:tc>
-                  <a:txBody>
-                    <a:bodyPr/>
-                    <a:lstStyle/>
-                    <a:p>
                       <a:endParaRPr lang="fr-FR" dirty="0"/>
                     </a:p>
                   </a:txBody>
